--- a/JIRA-file.pptx
+++ b/JIRA-file.pptx
@@ -296,7 +296,7 @@
           <a:p>
             <a:fld id="{CD70F96C-FB6E-401E-96FB-E8FA207BD081}" type="datetimeFigureOut">
               <a:rPr lang="en-US" smtClean="0"/>
-              <a:t>3/24/2024</a:t>
+              <a:t>4/4/2024</a:t>
             </a:fld>
             <a:endParaRPr lang="en-US"/>
           </a:p>
@@ -571,7 +571,7 @@
           <a:p>
             <a:fld id="{CD70F96C-FB6E-401E-96FB-E8FA207BD081}" type="datetimeFigureOut">
               <a:rPr lang="en-US" smtClean="0"/>
-              <a:t>3/24/2024</a:t>
+              <a:t>4/4/2024</a:t>
             </a:fld>
             <a:endParaRPr lang="en-US"/>
           </a:p>
@@ -765,7 +765,7 @@
           <a:p>
             <a:fld id="{CD70F96C-FB6E-401E-96FB-E8FA207BD081}" type="datetimeFigureOut">
               <a:rPr lang="en-US" smtClean="0"/>
-              <a:t>3/24/2024</a:t>
+              <a:t>4/4/2024</a:t>
             </a:fld>
             <a:endParaRPr lang="en-US"/>
           </a:p>
@@ -1033,7 +1033,7 @@
           <a:p>
             <a:fld id="{CD70F96C-FB6E-401E-96FB-E8FA207BD081}" type="datetimeFigureOut">
               <a:rPr lang="en-US" smtClean="0"/>
-              <a:t>3/24/2024</a:t>
+              <a:t>4/4/2024</a:t>
             </a:fld>
             <a:endParaRPr lang="en-US"/>
           </a:p>
@@ -1365,7 +1365,7 @@
           <a:p>
             <a:fld id="{CD70F96C-FB6E-401E-96FB-E8FA207BD081}" type="datetimeFigureOut">
               <a:rPr lang="en-US" smtClean="0"/>
-              <a:t>3/24/2024</a:t>
+              <a:t>4/4/2024</a:t>
             </a:fld>
             <a:endParaRPr lang="en-US"/>
           </a:p>
@@ -1975,7 +1975,7 @@
           <a:p>
             <a:fld id="{CD70F96C-FB6E-401E-96FB-E8FA207BD081}" type="datetimeFigureOut">
               <a:rPr lang="en-US" smtClean="0"/>
-              <a:t>3/24/2024</a:t>
+              <a:t>4/4/2024</a:t>
             </a:fld>
             <a:endParaRPr lang="en-US"/>
           </a:p>
@@ -2822,7 +2822,7 @@
           <a:p>
             <a:fld id="{CD70F96C-FB6E-401E-96FB-E8FA207BD081}" type="datetimeFigureOut">
               <a:rPr lang="en-US" smtClean="0"/>
-              <a:t>3/24/2024</a:t>
+              <a:t>4/4/2024</a:t>
             </a:fld>
             <a:endParaRPr lang="en-US"/>
           </a:p>
@@ -2992,7 +2992,7 @@
           <a:p>
             <a:fld id="{CD70F96C-FB6E-401E-96FB-E8FA207BD081}" type="datetimeFigureOut">
               <a:rPr lang="en-US" smtClean="0"/>
-              <a:t>3/24/2024</a:t>
+              <a:t>4/4/2024</a:t>
             </a:fld>
             <a:endParaRPr lang="en-US"/>
           </a:p>
@@ -3172,7 +3172,7 @@
           <a:p>
             <a:fld id="{CD70F96C-FB6E-401E-96FB-E8FA207BD081}" type="datetimeFigureOut">
               <a:rPr lang="en-US" smtClean="0"/>
-              <a:t>3/24/2024</a:t>
+              <a:t>4/4/2024</a:t>
             </a:fld>
             <a:endParaRPr lang="en-US"/>
           </a:p>
@@ -3342,7 +3342,7 @@
           <a:p>
             <a:fld id="{CD70F96C-FB6E-401E-96FB-E8FA207BD081}" type="datetimeFigureOut">
               <a:rPr lang="en-US" smtClean="0"/>
-              <a:t>3/24/2024</a:t>
+              <a:t>4/4/2024</a:t>
             </a:fld>
             <a:endParaRPr lang="en-US"/>
           </a:p>
@@ -3586,7 +3586,7 @@
           <a:p>
             <a:fld id="{CD70F96C-FB6E-401E-96FB-E8FA207BD081}" type="datetimeFigureOut">
               <a:rPr lang="en-US" smtClean="0"/>
-              <a:t>3/24/2024</a:t>
+              <a:t>4/4/2024</a:t>
             </a:fld>
             <a:endParaRPr lang="en-US"/>
           </a:p>
@@ -3878,7 +3878,7 @@
           <a:p>
             <a:fld id="{CD70F96C-FB6E-401E-96FB-E8FA207BD081}" type="datetimeFigureOut">
               <a:rPr lang="en-US" smtClean="0"/>
-              <a:t>3/24/2024</a:t>
+              <a:t>4/4/2024</a:t>
             </a:fld>
             <a:endParaRPr lang="en-US"/>
           </a:p>
@@ -4316,7 +4316,7 @@
           <a:p>
             <a:fld id="{CD70F96C-FB6E-401E-96FB-E8FA207BD081}" type="datetimeFigureOut">
               <a:rPr lang="en-US" smtClean="0"/>
-              <a:t>3/24/2024</a:t>
+              <a:t>4/4/2024</a:t>
             </a:fld>
             <a:endParaRPr lang="en-US"/>
           </a:p>
@@ -4434,7 +4434,7 @@
           <a:p>
             <a:fld id="{CD70F96C-FB6E-401E-96FB-E8FA207BD081}" type="datetimeFigureOut">
               <a:rPr lang="en-US" smtClean="0"/>
-              <a:t>3/24/2024</a:t>
+              <a:t>4/4/2024</a:t>
             </a:fld>
             <a:endParaRPr lang="en-US"/>
           </a:p>
@@ -4529,7 +4529,7 @@
           <a:p>
             <a:fld id="{CD70F96C-FB6E-401E-96FB-E8FA207BD081}" type="datetimeFigureOut">
               <a:rPr lang="en-US" smtClean="0"/>
-              <a:t>3/24/2024</a:t>
+              <a:t>4/4/2024</a:t>
             </a:fld>
             <a:endParaRPr lang="en-US"/>
           </a:p>
@@ -4808,7 +4808,7 @@
           <a:p>
             <a:fld id="{CD70F96C-FB6E-401E-96FB-E8FA207BD081}" type="datetimeFigureOut">
               <a:rPr lang="en-US" smtClean="0"/>
-              <a:t>3/24/2024</a:t>
+              <a:t>4/4/2024</a:t>
             </a:fld>
             <a:endParaRPr lang="en-US"/>
           </a:p>
@@ -5083,7 +5083,7 @@
           <a:p>
             <a:fld id="{CD70F96C-FB6E-401E-96FB-E8FA207BD081}" type="datetimeFigureOut">
               <a:rPr lang="en-US" smtClean="0"/>
-              <a:t>3/24/2024</a:t>
+              <a:t>4/4/2024</a:t>
             </a:fld>
             <a:endParaRPr lang="en-US"/>
           </a:p>
@@ -5512,7 +5512,7 @@
           <a:p>
             <a:fld id="{CD70F96C-FB6E-401E-96FB-E8FA207BD081}" type="datetimeFigureOut">
               <a:rPr lang="en-US" smtClean="0"/>
-              <a:t>3/24/2024</a:t>
+              <a:t>4/4/2024</a:t>
             </a:fld>
             <a:endParaRPr lang="en-US"/>
           </a:p>
@@ -6062,7 +6062,10 @@
           <a:bodyPr/>
           <a:lstStyle/>
           <a:p>
-            <a:endParaRPr lang="en-US"/>
+            <a:r>
+              <a:rPr lang="en-US"/>
+              <a:t>Jira-77</a:t>
+            </a:r>
           </a:p>
         </p:txBody>
       </p:sp>
